--- a/slides/00-LabSetup.pptx
+++ b/slides/00-LabSetup.pptx
@@ -3639,8 +3639,8 @@
           <a:lstStyle/>
           <a:p>
             <a:r>
-              <a:rPr lang="en-US" dirty="0" smtClean="0"/>
-              <a:t>Intro &amp; Lab Setup</a:t>
+              <a:rPr lang="en-US" b="1" dirty="0" smtClean="0"/>
+              <a:t>Intro &amp; Lab Setup &lt;&lt; We are here</a:t>
             </a:r>
           </a:p>
           <a:p>

--- a/slides/00-LabSetup.pptx
+++ b/slides/00-LabSetup.pptx
@@ -11,12 +11,9 @@
     <p:sldId id="260" r:id="rId5"/>
     <p:sldId id="258" r:id="rId6"/>
     <p:sldId id="261" r:id="rId7"/>
-    <p:sldId id="262" r:id="rId8"/>
-    <p:sldId id="263" r:id="rId9"/>
-    <p:sldId id="264" r:id="rId10"/>
-    <p:sldId id="265" r:id="rId11"/>
-    <p:sldId id="266" r:id="rId12"/>
-    <p:sldId id="267" r:id="rId13"/>
+    <p:sldId id="265" r:id="rId8"/>
+    <p:sldId id="266" r:id="rId9"/>
+    <p:sldId id="267" r:id="rId10"/>
   </p:sldIdLst>
   <p:sldSz cx="9144000" cy="6858000" type="screen4x3"/>
   <p:notesSz cx="6858000" cy="9144000"/>
@@ -299,7 +296,7 @@
           <a:p>
             <a:fld id="{88F23A3F-870A-584B-B889-6F51A2CF33B1}" type="datetimeFigureOut">
               <a:rPr lang="en-US" smtClean="0"/>
-              <a:t>4/25/14</a:t>
+              <a:t>5/29/14</a:t>
             </a:fld>
             <a:endParaRPr lang="en-US"/>
           </a:p>
@@ -469,7 +466,7 @@
           <a:p>
             <a:fld id="{88F23A3F-870A-584B-B889-6F51A2CF33B1}" type="datetimeFigureOut">
               <a:rPr lang="en-US" smtClean="0"/>
-              <a:t>4/25/14</a:t>
+              <a:t>5/29/14</a:t>
             </a:fld>
             <a:endParaRPr lang="en-US"/>
           </a:p>
@@ -649,7 +646,7 @@
           <a:p>
             <a:fld id="{88F23A3F-870A-584B-B889-6F51A2CF33B1}" type="datetimeFigureOut">
               <a:rPr lang="en-US" smtClean="0"/>
-              <a:t>4/25/14</a:t>
+              <a:t>5/29/14</a:t>
             </a:fld>
             <a:endParaRPr lang="en-US"/>
           </a:p>
@@ -819,7 +816,7 @@
           <a:p>
             <a:fld id="{88F23A3F-870A-584B-B889-6F51A2CF33B1}" type="datetimeFigureOut">
               <a:rPr lang="en-US" smtClean="0"/>
-              <a:t>4/25/14</a:t>
+              <a:t>5/29/14</a:t>
             </a:fld>
             <a:endParaRPr lang="en-US"/>
           </a:p>
@@ -1065,7 +1062,7 @@
           <a:p>
             <a:fld id="{88F23A3F-870A-584B-B889-6F51A2CF33B1}" type="datetimeFigureOut">
               <a:rPr lang="en-US" smtClean="0"/>
-              <a:t>4/25/14</a:t>
+              <a:t>5/29/14</a:t>
             </a:fld>
             <a:endParaRPr lang="en-US"/>
           </a:p>
@@ -1353,7 +1350,7 @@
           <a:p>
             <a:fld id="{88F23A3F-870A-584B-B889-6F51A2CF33B1}" type="datetimeFigureOut">
               <a:rPr lang="en-US" smtClean="0"/>
-              <a:t>4/25/14</a:t>
+              <a:t>5/29/14</a:t>
             </a:fld>
             <a:endParaRPr lang="en-US"/>
           </a:p>
@@ -1775,7 +1772,7 @@
           <a:p>
             <a:fld id="{88F23A3F-870A-584B-B889-6F51A2CF33B1}" type="datetimeFigureOut">
               <a:rPr lang="en-US" smtClean="0"/>
-              <a:t>4/25/14</a:t>
+              <a:t>5/29/14</a:t>
             </a:fld>
             <a:endParaRPr lang="en-US"/>
           </a:p>
@@ -1893,7 +1890,7 @@
           <a:p>
             <a:fld id="{88F23A3F-870A-584B-B889-6F51A2CF33B1}" type="datetimeFigureOut">
               <a:rPr lang="en-US" smtClean="0"/>
-              <a:t>4/25/14</a:t>
+              <a:t>5/29/14</a:t>
             </a:fld>
             <a:endParaRPr lang="en-US"/>
           </a:p>
@@ -1988,7 +1985,7 @@
           <a:p>
             <a:fld id="{88F23A3F-870A-584B-B889-6F51A2CF33B1}" type="datetimeFigureOut">
               <a:rPr lang="en-US" smtClean="0"/>
-              <a:t>4/25/14</a:t>
+              <a:t>5/29/14</a:t>
             </a:fld>
             <a:endParaRPr lang="en-US"/>
           </a:p>
@@ -2265,7 +2262,7 @@
           <a:p>
             <a:fld id="{88F23A3F-870A-584B-B889-6F51A2CF33B1}" type="datetimeFigureOut">
               <a:rPr lang="en-US" smtClean="0"/>
-              <a:t>4/25/14</a:t>
+              <a:t>5/29/14</a:t>
             </a:fld>
             <a:endParaRPr lang="en-US"/>
           </a:p>
@@ -2518,7 +2515,7 @@
           <a:p>
             <a:fld id="{88F23A3F-870A-584B-B889-6F51A2CF33B1}" type="datetimeFigureOut">
               <a:rPr lang="en-US" smtClean="0"/>
-              <a:t>4/25/14</a:t>
+              <a:t>5/29/14</a:t>
             </a:fld>
             <a:endParaRPr lang="en-US"/>
           </a:p>
@@ -2731,7 +2728,7 @@
           <a:p>
             <a:fld id="{88F23A3F-870A-584B-B889-6F51A2CF33B1}" type="datetimeFigureOut">
               <a:rPr lang="en-US" smtClean="0"/>
-              <a:t>4/25/14</a:t>
+              <a:t>5/29/14</a:t>
             </a:fld>
             <a:endParaRPr lang="en-US"/>
           </a:p>
@@ -3181,222 +3178,6 @@
 </p:sld>
 </file>
 
-<file path=ppt/slides/slide10.xml><?xml version="1.0" encoding="utf-8"?>
-<p:sld xmlns:a="http://schemas.openxmlformats.org/drawingml/2006/main" xmlns:r="http://schemas.openxmlformats.org/officeDocument/2006/relationships" xmlns:p="http://schemas.openxmlformats.org/presentationml/2006/main">
-  <p:cSld>
-    <p:spTree>
-      <p:nvGrpSpPr>
-        <p:cNvPr id="1" name=""/>
-        <p:cNvGrpSpPr/>
-        <p:nvPr/>
-      </p:nvGrpSpPr>
-      <p:grpSpPr>
-        <a:xfrm>
-          <a:off x="0" y="0"/>
-          <a:ext cx="0" cy="0"/>
-          <a:chOff x="0" y="0"/>
-          <a:chExt cx="0" cy="0"/>
-        </a:xfrm>
-      </p:grpSpPr>
-      <p:sp>
-        <p:nvSpPr>
-          <p:cNvPr id="2" name="Title 1"/>
-          <p:cNvSpPr>
-            <a:spLocks noGrp="1"/>
-          </p:cNvSpPr>
-          <p:nvPr>
-            <p:ph type="title"/>
-          </p:nvPr>
-        </p:nvSpPr>
-        <p:spPr/>
-        <p:txBody>
-          <a:bodyPr/>
-          <a:lstStyle/>
-          <a:p>
-            <a:r>
-              <a:rPr lang="en-US" dirty="0" smtClean="0"/>
-              <a:t>Getting our Lab Scripts</a:t>
-            </a:r>
-            <a:endParaRPr lang="en-US" dirty="0"/>
-          </a:p>
-        </p:txBody>
-      </p:sp>
-      <p:sp>
-        <p:nvSpPr>
-          <p:cNvPr id="3" name="Content Placeholder 2"/>
-          <p:cNvSpPr>
-            <a:spLocks noGrp="1"/>
-          </p:cNvSpPr>
-          <p:nvPr>
-            <p:ph idx="1"/>
-          </p:nvPr>
-        </p:nvSpPr>
-        <p:spPr/>
-        <p:txBody>
-          <a:bodyPr/>
-          <a:lstStyle/>
-          <a:p>
-            <a:endParaRPr lang="en-US"/>
-          </a:p>
-        </p:txBody>
-      </p:sp>
-    </p:spTree>
-    <p:extLst>
-      <p:ext uri="{BB962C8B-B14F-4D97-AF65-F5344CB8AC3E}">
-        <p14:creationId xmlns:p14="http://schemas.microsoft.com/office/powerpoint/2010/main" val="3649943739"/>
-      </p:ext>
-    </p:extLst>
-  </p:cSld>
-  <p:clrMapOvr>
-    <a:masterClrMapping/>
-  </p:clrMapOvr>
-</p:sld>
-</file>
-
-<file path=ppt/slides/slide11.xml><?xml version="1.0" encoding="utf-8"?>
-<p:sld xmlns:a="http://schemas.openxmlformats.org/drawingml/2006/main" xmlns:r="http://schemas.openxmlformats.org/officeDocument/2006/relationships" xmlns:p="http://schemas.openxmlformats.org/presentationml/2006/main">
-  <p:cSld>
-    <p:spTree>
-      <p:nvGrpSpPr>
-        <p:cNvPr id="1" name=""/>
-        <p:cNvGrpSpPr/>
-        <p:nvPr/>
-      </p:nvGrpSpPr>
-      <p:grpSpPr>
-        <a:xfrm>
-          <a:off x="0" y="0"/>
-          <a:ext cx="0" cy="0"/>
-          <a:chOff x="0" y="0"/>
-          <a:chExt cx="0" cy="0"/>
-        </a:xfrm>
-      </p:grpSpPr>
-      <p:sp>
-        <p:nvSpPr>
-          <p:cNvPr id="2" name="Title 1"/>
-          <p:cNvSpPr>
-            <a:spLocks noGrp="1"/>
-          </p:cNvSpPr>
-          <p:nvPr>
-            <p:ph type="title"/>
-          </p:nvPr>
-        </p:nvSpPr>
-        <p:spPr/>
-        <p:txBody>
-          <a:bodyPr/>
-          <a:lstStyle/>
-          <a:p>
-            <a:r>
-              <a:rPr lang="en-US" dirty="0" smtClean="0"/>
-              <a:t>Starting the Lab Environment</a:t>
-            </a:r>
-            <a:endParaRPr lang="en-US" dirty="0"/>
-          </a:p>
-        </p:txBody>
-      </p:sp>
-      <p:sp>
-        <p:nvSpPr>
-          <p:cNvPr id="3" name="Content Placeholder 2"/>
-          <p:cNvSpPr>
-            <a:spLocks noGrp="1"/>
-          </p:cNvSpPr>
-          <p:nvPr>
-            <p:ph idx="1"/>
-          </p:nvPr>
-        </p:nvSpPr>
-        <p:spPr/>
-        <p:txBody>
-          <a:bodyPr/>
-          <a:lstStyle/>
-          <a:p>
-            <a:endParaRPr lang="en-US"/>
-          </a:p>
-        </p:txBody>
-      </p:sp>
-    </p:spTree>
-    <p:extLst>
-      <p:ext uri="{BB962C8B-B14F-4D97-AF65-F5344CB8AC3E}">
-        <p14:creationId xmlns:p14="http://schemas.microsoft.com/office/powerpoint/2010/main" val="2101668315"/>
-      </p:ext>
-    </p:extLst>
-  </p:cSld>
-  <p:clrMapOvr>
-    <a:masterClrMapping/>
-  </p:clrMapOvr>
-</p:sld>
-</file>
-
-<file path=ppt/slides/slide12.xml><?xml version="1.0" encoding="utf-8"?>
-<p:sld xmlns:a="http://schemas.openxmlformats.org/drawingml/2006/main" xmlns:r="http://schemas.openxmlformats.org/officeDocument/2006/relationships" xmlns:p="http://schemas.openxmlformats.org/presentationml/2006/main">
-  <p:cSld>
-    <p:spTree>
-      <p:nvGrpSpPr>
-        <p:cNvPr id="1" name=""/>
-        <p:cNvGrpSpPr/>
-        <p:nvPr/>
-      </p:nvGrpSpPr>
-      <p:grpSpPr>
-        <a:xfrm>
-          <a:off x="0" y="0"/>
-          <a:ext cx="0" cy="0"/>
-          <a:chOff x="0" y="0"/>
-          <a:chExt cx="0" cy="0"/>
-        </a:xfrm>
-      </p:grpSpPr>
-      <p:sp>
-        <p:nvSpPr>
-          <p:cNvPr id="2" name="Title 1"/>
-          <p:cNvSpPr>
-            <a:spLocks noGrp="1"/>
-          </p:cNvSpPr>
-          <p:nvPr>
-            <p:ph type="title"/>
-          </p:nvPr>
-        </p:nvSpPr>
-        <p:spPr/>
-        <p:txBody>
-          <a:bodyPr/>
-          <a:lstStyle/>
-          <a:p>
-            <a:r>
-              <a:rPr lang="en-US" dirty="0" smtClean="0"/>
-              <a:t>Did That Work?</a:t>
-            </a:r>
-            <a:endParaRPr lang="en-US" dirty="0"/>
-          </a:p>
-        </p:txBody>
-      </p:sp>
-      <p:sp>
-        <p:nvSpPr>
-          <p:cNvPr id="3" name="Content Placeholder 2"/>
-          <p:cNvSpPr>
-            <a:spLocks noGrp="1"/>
-          </p:cNvSpPr>
-          <p:nvPr>
-            <p:ph idx="1"/>
-          </p:nvPr>
-        </p:nvSpPr>
-        <p:spPr/>
-        <p:txBody>
-          <a:bodyPr/>
-          <a:lstStyle/>
-          <a:p>
-            <a:endParaRPr lang="en-US" dirty="0"/>
-          </a:p>
-        </p:txBody>
-      </p:sp>
-    </p:spTree>
-    <p:extLst>
-      <p:ext uri="{BB962C8B-B14F-4D97-AF65-F5344CB8AC3E}">
-        <p14:creationId xmlns:p14="http://schemas.microsoft.com/office/powerpoint/2010/main" val="568638494"/>
-      </p:ext>
-    </p:extLst>
-  </p:cSld>
-  <p:clrMapOvr>
-    <a:masterClrMapping/>
-  </p:clrMapOvr>
-</p:sld>
-</file>
-
 <file path=ppt/slides/slide2.xml><?xml version="1.0" encoding="utf-8"?>
 <p:sld xmlns:a="http://schemas.openxmlformats.org/drawingml/2006/main" xmlns:r="http://schemas.openxmlformats.org/officeDocument/2006/relationships" xmlns:p="http://schemas.openxmlformats.org/presentationml/2006/main">
   <p:cSld>
@@ -4004,50 +3785,174 @@
         </p:nvSpPr>
         <p:spPr/>
         <p:txBody>
+          <a:bodyPr/>
+          <a:lstStyle/>
+          <a:p>
+            <a:r>
+              <a:rPr lang="en-US" dirty="0" smtClean="0"/>
+              <a:t>Getting our Lab Scripts</a:t>
+            </a:r>
+            <a:endParaRPr lang="en-US" dirty="0"/>
+          </a:p>
+        </p:txBody>
+      </p:sp>
+      <p:sp>
+        <p:nvSpPr>
+          <p:cNvPr id="3" name="Content Placeholder 2"/>
+          <p:cNvSpPr>
+            <a:spLocks noGrp="1"/>
+          </p:cNvSpPr>
+          <p:nvPr>
+            <p:ph idx="1"/>
+          </p:nvPr>
+        </p:nvSpPr>
+        <p:spPr/>
+        <p:txBody>
           <a:bodyPr>
-            <a:normAutofit fontScale="90000"/>
+            <a:normAutofit/>
           </a:bodyPr>
           <a:lstStyle/>
           <a:p>
-            <a:r>
-              <a:rPr lang="en-US" dirty="0" smtClean="0"/>
-              <a:t>Installing </a:t>
-            </a:r>
-            <a:r>
-              <a:rPr lang="en-US" dirty="0" err="1" smtClean="0"/>
-              <a:t>VirtualBox</a:t>
-            </a:r>
-            <a:r>
-              <a:rPr lang="en-US" dirty="0" smtClean="0"/>
-              <a:t> on Ubuntu 12.04</a:t>
-            </a:r>
-            <a:endParaRPr lang="en-US" dirty="0"/>
-          </a:p>
-        </p:txBody>
-      </p:sp>
-      <p:sp>
-        <p:nvSpPr>
-          <p:cNvPr id="3" name="Content Placeholder 2"/>
-          <p:cNvSpPr>
-            <a:spLocks noGrp="1"/>
-          </p:cNvSpPr>
-          <p:nvPr>
-            <p:ph idx="1"/>
-          </p:nvPr>
-        </p:nvSpPr>
-        <p:spPr/>
-        <p:txBody>
-          <a:bodyPr/>
-          <a:lstStyle/>
-          <a:p>
-            <a:endParaRPr lang="en-US"/>
+            <a:pPr marL="0" indent="0">
+              <a:buNone/>
+            </a:pPr>
+            <a:r>
+              <a:rPr lang="en-US" sz="1600" dirty="0" err="1" smtClean="0">
+                <a:latin typeface="Consolas"/>
+                <a:cs typeface="Consolas"/>
+              </a:rPr>
+              <a:t>git</a:t>
+            </a:r>
+            <a:r>
+              <a:rPr lang="en-US" sz="1600" dirty="0" smtClean="0">
+                <a:latin typeface="Consolas"/>
+                <a:cs typeface="Consolas"/>
+              </a:rPr>
+              <a:t> clone </a:t>
+            </a:r>
+            <a:r>
+              <a:rPr lang="en-US" sz="1600" dirty="0">
+                <a:latin typeface="Consolas"/>
+                <a:cs typeface="Consolas"/>
+              </a:rPr>
+              <a:t>https://</a:t>
+            </a:r>
+            <a:r>
+              <a:rPr lang="en-US" sz="1600" dirty="0" err="1">
+                <a:latin typeface="Consolas"/>
+                <a:cs typeface="Consolas"/>
+              </a:rPr>
+              <a:t>github.com</a:t>
+            </a:r>
+            <a:r>
+              <a:rPr lang="en-US" sz="1600" dirty="0">
+                <a:latin typeface="Consolas"/>
+                <a:cs typeface="Consolas"/>
+              </a:rPr>
+              <a:t>/</a:t>
+            </a:r>
+            <a:r>
+              <a:rPr lang="en-US" sz="1600" dirty="0" err="1">
+                <a:latin typeface="Consolas"/>
+                <a:cs typeface="Consolas"/>
+              </a:rPr>
+              <a:t>OpenStackCookbook</a:t>
+            </a:r>
+            <a:r>
+              <a:rPr lang="en-US" sz="1600" dirty="0">
+                <a:latin typeface="Consolas"/>
+                <a:cs typeface="Consolas"/>
+              </a:rPr>
+              <a:t>/</a:t>
+            </a:r>
+            <a:r>
+              <a:rPr lang="en-US" sz="1600" dirty="0" err="1" smtClean="0">
+                <a:latin typeface="Consolas"/>
+                <a:cs typeface="Consolas"/>
+              </a:rPr>
+              <a:t>OpenStackCookbook.git</a:t>
+            </a:r>
+            <a:endParaRPr lang="en-US" sz="1600" dirty="0" smtClean="0">
+              <a:latin typeface="Consolas"/>
+              <a:cs typeface="Consolas"/>
+            </a:endParaRPr>
+          </a:p>
+          <a:p>
+            <a:pPr marL="0" indent="0">
+              <a:buNone/>
+            </a:pPr>
+            <a:r>
+              <a:rPr lang="en-US" sz="1600" dirty="0" smtClean="0">
+                <a:latin typeface="Consolas"/>
+                <a:cs typeface="Consolas"/>
+              </a:rPr>
+              <a:t>cd </a:t>
+            </a:r>
+            <a:r>
+              <a:rPr lang="en-US" sz="1600" dirty="0" err="1" smtClean="0">
+                <a:latin typeface="Consolas"/>
+                <a:cs typeface="Consolas"/>
+              </a:rPr>
+              <a:t>OpenStackCookbook</a:t>
+            </a:r>
+            <a:endParaRPr lang="en-US" sz="1600" dirty="0" smtClean="0">
+              <a:latin typeface="Consolas"/>
+              <a:cs typeface="Consolas"/>
+            </a:endParaRPr>
+          </a:p>
+          <a:p>
+            <a:pPr marL="0" indent="0">
+              <a:buNone/>
+            </a:pPr>
+            <a:r>
+              <a:rPr lang="en-US" sz="1600" dirty="0" err="1" smtClean="0">
+                <a:latin typeface="Consolas"/>
+                <a:cs typeface="Consolas"/>
+              </a:rPr>
+              <a:t>git</a:t>
+            </a:r>
+            <a:r>
+              <a:rPr lang="en-US" sz="1600" dirty="0" smtClean="0">
+                <a:latin typeface="Consolas"/>
+                <a:cs typeface="Consolas"/>
+              </a:rPr>
+              <a:t> checkout icehouse</a:t>
+            </a:r>
+          </a:p>
+          <a:p>
+            <a:pPr marL="0" indent="0">
+              <a:buNone/>
+            </a:pPr>
+            <a:r>
+              <a:rPr lang="en-US" sz="1600" dirty="0" err="1" smtClean="0">
+                <a:latin typeface="Consolas"/>
+                <a:cs typeface="Consolas"/>
+              </a:rPr>
+              <a:t>git</a:t>
+            </a:r>
+            <a:r>
+              <a:rPr lang="en-US" sz="1600" dirty="0" smtClean="0">
+                <a:latin typeface="Consolas"/>
+                <a:cs typeface="Consolas"/>
+              </a:rPr>
+              <a:t> branch -a</a:t>
+            </a:r>
+          </a:p>
+          <a:p>
+            <a:pPr marL="0" indent="0">
+              <a:buNone/>
+            </a:pPr>
+            <a:endParaRPr lang="en-US" sz="1600" dirty="0">
+              <a:latin typeface="Consolas"/>
+              <a:cs typeface="Consolas"/>
+            </a:endParaRPr>
           </a:p>
         </p:txBody>
       </p:sp>
     </p:spTree>
     <p:extLst>
       <p:ext uri="{BB962C8B-B14F-4D97-AF65-F5344CB8AC3E}">
-        <p14:creationId xmlns:p14="http://schemas.microsoft.com/office/powerpoint/2010/main" val="3861349261"/>
+        <p14:creationId xmlns:p14="http://schemas.microsoft.com/office/powerpoint/2010/main" val="3649943739"/>
       </p:ext>
     </p:extLst>
   </p:cSld>
@@ -4091,7 +3996,7 @@
           <a:p>
             <a:r>
               <a:rPr lang="en-US" dirty="0" smtClean="0"/>
-              <a:t>Installing Vagrant on Ubuntu 12.04</a:t>
+              <a:t>Starting the Lab Environment</a:t>
             </a:r>
             <a:endParaRPr lang="en-US" dirty="0"/>
           </a:p>
@@ -4109,17 +4014,49 @@
         </p:nvSpPr>
         <p:spPr/>
         <p:txBody>
-          <a:bodyPr/>
-          <a:lstStyle/>
-          <a:p>
-            <a:endParaRPr lang="en-US"/>
+          <a:bodyPr>
+            <a:normAutofit/>
+          </a:bodyPr>
+          <a:lstStyle/>
+          <a:p>
+            <a:pPr marL="0" indent="0">
+              <a:buNone/>
+            </a:pPr>
+            <a:r>
+              <a:rPr lang="en-US" sz="1600" dirty="0" smtClean="0">
+                <a:latin typeface="Consolas"/>
+                <a:cs typeface="Consolas"/>
+              </a:rPr>
+              <a:t>vagrant status</a:t>
+            </a:r>
+          </a:p>
+          <a:p>
+            <a:pPr marL="0" indent="0">
+              <a:buNone/>
+            </a:pPr>
+            <a:r>
+              <a:rPr lang="en-US" sz="1600" dirty="0" smtClean="0">
+                <a:latin typeface="Consolas"/>
+                <a:cs typeface="Consolas"/>
+              </a:rPr>
+              <a:t>vagrant up</a:t>
+            </a:r>
+          </a:p>
+          <a:p>
+            <a:pPr marL="0" indent="0">
+              <a:buNone/>
+            </a:pPr>
+            <a:endParaRPr lang="en-US" sz="1600" dirty="0">
+              <a:latin typeface="Consolas"/>
+              <a:cs typeface="Consolas"/>
+            </a:endParaRPr>
           </a:p>
         </p:txBody>
       </p:sp>
     </p:spTree>
     <p:extLst>
       <p:ext uri="{BB962C8B-B14F-4D97-AF65-F5344CB8AC3E}">
-        <p14:creationId xmlns:p14="http://schemas.microsoft.com/office/powerpoint/2010/main" val="3051312743"/>
+        <p14:creationId xmlns:p14="http://schemas.microsoft.com/office/powerpoint/2010/main" val="2101668315"/>
       </p:ext>
     </p:extLst>
   </p:cSld>
@@ -4158,18 +4095,12 @@
         </p:nvSpPr>
         <p:spPr/>
         <p:txBody>
-          <a:bodyPr>
-            <a:normAutofit/>
-          </a:bodyPr>
+          <a:bodyPr/>
           <a:lstStyle/>
           <a:p>
             <a:r>
               <a:rPr lang="en-US" dirty="0" smtClean="0"/>
-              <a:t>Installing </a:t>
-            </a:r>
-            <a:r>
-              <a:rPr lang="en-US" dirty="0" err="1" smtClean="0"/>
-              <a:t>Git</a:t>
+              <a:t>Did That Work?</a:t>
             </a:r>
             <a:endParaRPr lang="en-US" dirty="0"/>
           </a:p>
@@ -4190,14 +4121,14 @@
           <a:bodyPr/>
           <a:lstStyle/>
           <a:p>
-            <a:endParaRPr lang="en-US"/>
+            <a:endParaRPr lang="en-US" dirty="0"/>
           </a:p>
         </p:txBody>
       </p:sp>
     </p:spTree>
     <p:extLst>
       <p:ext uri="{BB962C8B-B14F-4D97-AF65-F5344CB8AC3E}">
-        <p14:creationId xmlns:p14="http://schemas.microsoft.com/office/powerpoint/2010/main" val="1914253375"/>
+        <p14:creationId xmlns:p14="http://schemas.microsoft.com/office/powerpoint/2010/main" val="568638494"/>
       </p:ext>
     </p:extLst>
   </p:cSld>
